--- a/Backpropagation XOR.pptx
+++ b/Backpropagation XOR.pptx
@@ -8,7 +8,8 @@
     <p:sldId id="256" r:id="rId5"/>
     <p:sldId id="257" r:id="rId6"/>
     <p:sldId id="259" r:id="rId7"/>
-    <p:sldId id="260" r:id="rId8"/>
+    <p:sldId id="261" r:id="rId8"/>
+    <p:sldId id="260" r:id="rId9"/>
   </p:sldIdLst>
   <p:sldSz cx="12192000" cy="6858000"/>
   <p:notesSz cx="6858000" cy="9144000"/>
@@ -107,6 +108,11 @@
       </a:defRPr>
     </a:lvl9pPr>
   </p:defaultTextStyle>
+  <p:extLst>
+    <p:ext uri="{EFAFB233-063F-42B5-8137-9DF3F51BA10A}">
+      <p15:sldGuideLst xmlns:p15="http://schemas.microsoft.com/office/powerpoint/2012/main"/>
+    </p:ext>
+  </p:extLst>
 </p:presentation>
 </file>
 
@@ -259,7 +265,7 @@
           <a:p>
             <a:fld id="{17A861F4-8F19-462A-8438-641B033BF42D}" type="datetimeFigureOut">
               <a:rPr lang="da-DK" smtClean="0"/>
-              <a:t>14-08-2019</a:t>
+              <a:t>16-08-2019</a:t>
             </a:fld>
             <a:endParaRPr lang="da-DK"/>
           </a:p>
@@ -313,7 +319,7 @@
           <a:p>
             <a:fld id="{161B460B-57D6-4EEE-B9FF-7DB5497CAFD7}" type="slidenum">
               <a:rPr lang="da-DK" smtClean="0"/>
-              <a:t>‹#›</a:t>
+              <a:t>‹nr.›</a:t>
             </a:fld>
             <a:endParaRPr lang="da-DK"/>
           </a:p>
@@ -459,7 +465,7 @@
           <a:p>
             <a:fld id="{17A861F4-8F19-462A-8438-641B033BF42D}" type="datetimeFigureOut">
               <a:rPr lang="da-DK" smtClean="0"/>
-              <a:t>14-08-2019</a:t>
+              <a:t>16-08-2019</a:t>
             </a:fld>
             <a:endParaRPr lang="da-DK"/>
           </a:p>
@@ -513,7 +519,7 @@
           <a:p>
             <a:fld id="{161B460B-57D6-4EEE-B9FF-7DB5497CAFD7}" type="slidenum">
               <a:rPr lang="da-DK" smtClean="0"/>
-              <a:t>‹#›</a:t>
+              <a:t>‹nr.›</a:t>
             </a:fld>
             <a:endParaRPr lang="da-DK"/>
           </a:p>
@@ -669,7 +675,7 @@
           <a:p>
             <a:fld id="{17A861F4-8F19-462A-8438-641B033BF42D}" type="datetimeFigureOut">
               <a:rPr lang="da-DK" smtClean="0"/>
-              <a:t>14-08-2019</a:t>
+              <a:t>16-08-2019</a:t>
             </a:fld>
             <a:endParaRPr lang="da-DK"/>
           </a:p>
@@ -723,7 +729,7 @@
           <a:p>
             <a:fld id="{161B460B-57D6-4EEE-B9FF-7DB5497CAFD7}" type="slidenum">
               <a:rPr lang="da-DK" smtClean="0"/>
-              <a:t>‹#›</a:t>
+              <a:t>‹nr.›</a:t>
             </a:fld>
             <a:endParaRPr lang="da-DK"/>
           </a:p>
@@ -869,7 +875,7 @@
           <a:p>
             <a:fld id="{17A861F4-8F19-462A-8438-641B033BF42D}" type="datetimeFigureOut">
               <a:rPr lang="da-DK" smtClean="0"/>
-              <a:t>14-08-2019</a:t>
+              <a:t>16-08-2019</a:t>
             </a:fld>
             <a:endParaRPr lang="da-DK"/>
           </a:p>
@@ -923,7 +929,7 @@
           <a:p>
             <a:fld id="{161B460B-57D6-4EEE-B9FF-7DB5497CAFD7}" type="slidenum">
               <a:rPr lang="da-DK" smtClean="0"/>
-              <a:t>‹#›</a:t>
+              <a:t>‹nr.›</a:t>
             </a:fld>
             <a:endParaRPr lang="da-DK"/>
           </a:p>
@@ -1145,7 +1151,7 @@
           <a:p>
             <a:fld id="{17A861F4-8F19-462A-8438-641B033BF42D}" type="datetimeFigureOut">
               <a:rPr lang="da-DK" smtClean="0"/>
-              <a:t>14-08-2019</a:t>
+              <a:t>16-08-2019</a:t>
             </a:fld>
             <a:endParaRPr lang="da-DK"/>
           </a:p>
@@ -1199,7 +1205,7 @@
           <a:p>
             <a:fld id="{161B460B-57D6-4EEE-B9FF-7DB5497CAFD7}" type="slidenum">
               <a:rPr lang="da-DK" smtClean="0"/>
-              <a:t>‹#›</a:t>
+              <a:t>‹nr.›</a:t>
             </a:fld>
             <a:endParaRPr lang="da-DK"/>
           </a:p>
@@ -1413,7 +1419,7 @@
           <a:p>
             <a:fld id="{17A861F4-8F19-462A-8438-641B033BF42D}" type="datetimeFigureOut">
               <a:rPr lang="da-DK" smtClean="0"/>
-              <a:t>14-08-2019</a:t>
+              <a:t>16-08-2019</a:t>
             </a:fld>
             <a:endParaRPr lang="da-DK"/>
           </a:p>
@@ -1467,7 +1473,7 @@
           <a:p>
             <a:fld id="{161B460B-57D6-4EEE-B9FF-7DB5497CAFD7}" type="slidenum">
               <a:rPr lang="da-DK" smtClean="0"/>
-              <a:t>‹#›</a:t>
+              <a:t>‹nr.›</a:t>
             </a:fld>
             <a:endParaRPr lang="da-DK"/>
           </a:p>
@@ -1828,7 +1834,7 @@
           <a:p>
             <a:fld id="{17A861F4-8F19-462A-8438-641B033BF42D}" type="datetimeFigureOut">
               <a:rPr lang="da-DK" smtClean="0"/>
-              <a:t>14-08-2019</a:t>
+              <a:t>16-08-2019</a:t>
             </a:fld>
             <a:endParaRPr lang="da-DK"/>
           </a:p>
@@ -1882,7 +1888,7 @@
           <a:p>
             <a:fld id="{161B460B-57D6-4EEE-B9FF-7DB5497CAFD7}" type="slidenum">
               <a:rPr lang="da-DK" smtClean="0"/>
-              <a:t>‹#›</a:t>
+              <a:t>‹nr.›</a:t>
             </a:fld>
             <a:endParaRPr lang="da-DK"/>
           </a:p>
@@ -1970,7 +1976,7 @@
           <a:p>
             <a:fld id="{17A861F4-8F19-462A-8438-641B033BF42D}" type="datetimeFigureOut">
               <a:rPr lang="da-DK" smtClean="0"/>
-              <a:t>14-08-2019</a:t>
+              <a:t>16-08-2019</a:t>
             </a:fld>
             <a:endParaRPr lang="da-DK"/>
           </a:p>
@@ -2024,7 +2030,7 @@
           <a:p>
             <a:fld id="{161B460B-57D6-4EEE-B9FF-7DB5497CAFD7}" type="slidenum">
               <a:rPr lang="da-DK" smtClean="0"/>
-              <a:t>‹#›</a:t>
+              <a:t>‹nr.›</a:t>
             </a:fld>
             <a:endParaRPr lang="da-DK"/>
           </a:p>
@@ -2083,7 +2089,7 @@
           <a:p>
             <a:fld id="{17A861F4-8F19-462A-8438-641B033BF42D}" type="datetimeFigureOut">
               <a:rPr lang="da-DK" smtClean="0"/>
-              <a:t>14-08-2019</a:t>
+              <a:t>16-08-2019</a:t>
             </a:fld>
             <a:endParaRPr lang="da-DK"/>
           </a:p>
@@ -2137,7 +2143,7 @@
           <a:p>
             <a:fld id="{161B460B-57D6-4EEE-B9FF-7DB5497CAFD7}" type="slidenum">
               <a:rPr lang="da-DK" smtClean="0"/>
-              <a:t>‹#›</a:t>
+              <a:t>‹nr.›</a:t>
             </a:fld>
             <a:endParaRPr lang="da-DK"/>
           </a:p>
@@ -2396,7 +2402,7 @@
           <a:p>
             <a:fld id="{17A861F4-8F19-462A-8438-641B033BF42D}" type="datetimeFigureOut">
               <a:rPr lang="da-DK" smtClean="0"/>
-              <a:t>14-08-2019</a:t>
+              <a:t>16-08-2019</a:t>
             </a:fld>
             <a:endParaRPr lang="da-DK"/>
           </a:p>
@@ -2450,7 +2456,7 @@
           <a:p>
             <a:fld id="{161B460B-57D6-4EEE-B9FF-7DB5497CAFD7}" type="slidenum">
               <a:rPr lang="da-DK" smtClean="0"/>
-              <a:t>‹#›</a:t>
+              <a:t>‹nr.›</a:t>
             </a:fld>
             <a:endParaRPr lang="da-DK"/>
           </a:p>
@@ -2685,7 +2691,7 @@
           <a:p>
             <a:fld id="{17A861F4-8F19-462A-8438-641B033BF42D}" type="datetimeFigureOut">
               <a:rPr lang="da-DK" smtClean="0"/>
-              <a:t>14-08-2019</a:t>
+              <a:t>16-08-2019</a:t>
             </a:fld>
             <a:endParaRPr lang="da-DK"/>
           </a:p>
@@ -2739,7 +2745,7 @@
           <a:p>
             <a:fld id="{161B460B-57D6-4EEE-B9FF-7DB5497CAFD7}" type="slidenum">
               <a:rPr lang="da-DK" smtClean="0"/>
-              <a:t>‹#›</a:t>
+              <a:t>‹nr.›</a:t>
             </a:fld>
             <a:endParaRPr lang="da-DK"/>
           </a:p>
@@ -2928,7 +2934,7 @@
           <a:p>
             <a:fld id="{17A861F4-8F19-462A-8438-641B033BF42D}" type="datetimeFigureOut">
               <a:rPr lang="da-DK" smtClean="0"/>
-              <a:t>14-08-2019</a:t>
+              <a:t>16-08-2019</a:t>
             </a:fld>
             <a:endParaRPr lang="da-DK"/>
           </a:p>
@@ -3018,7 +3024,7 @@
           <a:p>
             <a:fld id="{161B460B-57D6-4EEE-B9FF-7DB5497CAFD7}" type="slidenum">
               <a:rPr lang="da-DK" smtClean="0"/>
-              <a:t>‹#›</a:t>
+              <a:t>‹nr.›</a:t>
             </a:fld>
             <a:endParaRPr lang="da-DK"/>
           </a:p>
@@ -3474,7 +3480,9 @@
         </p:nvSpPr>
         <p:spPr/>
         <p:txBody>
-          <a:bodyPr/>
+          <a:bodyPr>
+            <a:normAutofit lnSpcReduction="10000"/>
+          </a:bodyPr>
           <a:lstStyle/>
           <a:p>
             <a:r>
@@ -3490,14 +3498,56 @@
           </a:p>
           <a:p>
             <a:r>
-              <a:rPr lang="da-DK" dirty="0"/>
-              <a:t>Two inputs</a:t>
-            </a:r>
-          </a:p>
-          <a:p>
-            <a:r>
-              <a:rPr lang="da-DK" dirty="0"/>
-              <a:t>Sigmoid AF boii</a:t>
+              <a:rPr lang="da-DK" dirty="0" err="1"/>
+              <a:t>Two</a:t>
+            </a:r>
+            <a:r>
+              <a:rPr lang="da-DK" dirty="0"/>
+              <a:t> inputs</a:t>
+            </a:r>
+          </a:p>
+          <a:p>
+            <a:r>
+              <a:rPr lang="da-DK" dirty="0" err="1"/>
+              <a:t>Weights</a:t>
+            </a:r>
+            <a:r>
+              <a:rPr lang="da-DK" dirty="0"/>
+              <a:t> </a:t>
+            </a:r>
+            <a:r>
+              <a:rPr lang="da-DK" dirty="0" err="1"/>
+              <a:t>are</a:t>
+            </a:r>
+            <a:r>
+              <a:rPr lang="da-DK" dirty="0"/>
+              <a:t> </a:t>
+            </a:r>
+            <a:r>
+              <a:rPr lang="da-DK" dirty="0" err="1"/>
+              <a:t>generated</a:t>
+            </a:r>
+            <a:r>
+              <a:rPr lang="da-DK" dirty="0"/>
+              <a:t> </a:t>
+            </a:r>
+            <a:r>
+              <a:rPr lang="da-DK" dirty="0" err="1"/>
+              <a:t>randomely</a:t>
+            </a:r>
+            <a:r>
+              <a:rPr lang="da-DK" dirty="0"/>
+              <a:t> </a:t>
+            </a:r>
+          </a:p>
+          <a:p>
+            <a:r>
+              <a:rPr lang="da-DK" dirty="0" err="1"/>
+              <a:t>Sigmoid</a:t>
+            </a:r>
+            <a:r>
+              <a:rPr lang="da-DK" dirty="0"/>
+              <a:t> AF</a:t>
             </a:r>
           </a:p>
           <a:p>
@@ -3509,13 +3559,44 @@
           <a:p>
             <a:r>
               <a:rPr lang="da-DK" dirty="0"/>
-              <a:t>Lenght of data array 1000</a:t>
-            </a:r>
-          </a:p>
-          <a:p>
-            <a:r>
-              <a:rPr lang="da-DK" dirty="0"/>
-              <a:t>Maximum nr. epochs 10000</a:t>
+              <a:t>Lenght of data array 1000 for </a:t>
+            </a:r>
+            <a:r>
+              <a:rPr lang="da-DK" dirty="0" err="1"/>
+              <a:t>training</a:t>
+            </a:r>
+            <a:endParaRPr lang="da-DK" dirty="0"/>
+          </a:p>
+          <a:p>
+            <a:r>
+              <a:rPr lang="da-DK" dirty="0"/>
+              <a:t>Maximum nr. of </a:t>
+            </a:r>
+            <a:r>
+              <a:rPr lang="da-DK" dirty="0" err="1"/>
+              <a:t>epochs</a:t>
+            </a:r>
+            <a:r>
+              <a:rPr lang="da-DK" dirty="0"/>
+              <a:t> 10000</a:t>
+            </a:r>
+          </a:p>
+          <a:p>
+            <a:r>
+              <a:rPr lang="da-DK" dirty="0" err="1"/>
+              <a:t>Testing</a:t>
+            </a:r>
+            <a:r>
+              <a:rPr lang="da-DK" dirty="0"/>
+              <a:t> with 4 </a:t>
+            </a:r>
+            <a:r>
+              <a:rPr lang="da-DK" dirty="0" err="1"/>
+              <a:t>different</a:t>
+            </a:r>
+            <a:r>
+              <a:rPr lang="da-DK" dirty="0"/>
+              <a:t> inputs a 1000 times</a:t>
             </a:r>
           </a:p>
         </p:txBody>
@@ -3613,53 +3694,6 @@
           </a:xfrm>
         </p:spPr>
       </p:pic>
-      <p:pic>
-        <p:nvPicPr>
-          <p:cNvPr id="1026" name="Picture 2">
-            <a:extLst>
-              <a:ext uri="{FF2B5EF4-FFF2-40B4-BE49-F238E27FC236}">
-                <a16:creationId xmlns:a16="http://schemas.microsoft.com/office/drawing/2014/main" id="{9C04D2B5-556B-4E92-961A-434D9C2E8543}"/>
-              </a:ext>
-            </a:extLst>
-          </p:cNvPr>
-          <p:cNvPicPr>
-            <a:picLocks noChangeAspect="1" noChangeArrowheads="1"/>
-          </p:cNvPicPr>
-          <p:nvPr/>
-        </p:nvPicPr>
-        <p:blipFill>
-          <a:blip r:embed="rId3">
-            <a:extLst>
-              <a:ext uri="{28A0092B-C50C-407E-A947-70E740481C1C}">
-                <a14:useLocalDpi xmlns:a14="http://schemas.microsoft.com/office/drawing/2010/main" val="0"/>
-              </a:ext>
-            </a:extLst>
-          </a:blip>
-          <a:srcRect/>
-          <a:stretch>
-            <a:fillRect/>
-          </a:stretch>
-        </p:blipFill>
-        <p:spPr bwMode="auto">
-          <a:xfrm>
-            <a:off x="838200" y="4613502"/>
-            <a:ext cx="5257800" cy="1419225"/>
-          </a:xfrm>
-          <a:prstGeom prst="rect">
-            <a:avLst/>
-          </a:prstGeom>
-          <a:noFill/>
-          <a:extLst>
-            <a:ext uri="{909E8E84-426E-40DD-AFC4-6F175D3DCCD1}">
-              <a14:hiddenFill xmlns:a14="http://schemas.microsoft.com/office/drawing/2010/main">
-                <a:solidFill>
-                  <a:srgbClr val="FFFFFF"/>
-                </a:solidFill>
-              </a14:hiddenFill>
-            </a:ext>
-          </a:extLst>
-        </p:spPr>
-      </p:pic>
       <p:sp>
         <p:nvSpPr>
           <p:cNvPr id="6" name="TextBox 5">
@@ -3674,8 +3708,8 @@
         </p:nvSpPr>
         <p:spPr>
           <a:xfrm>
-            <a:off x="6643396" y="1390261"/>
-            <a:ext cx="5257800" cy="1200329"/>
+            <a:off x="6701762" y="3004959"/>
+            <a:ext cx="5257800" cy="1754326"/>
           </a:xfrm>
           <a:prstGeom prst="rect">
             <a:avLst/>
@@ -3704,7 +3738,7 @@
             </a:pPr>
             <a:r>
               <a:rPr lang="da-DK" dirty="0"/>
-              <a:t>C++ code stopped after reaching an error of 0.000001.</a:t>
+              <a:t>C++ code stopped after reaching an error of 0.000001 with a learning a rate of 0.1.</a:t>
             </a:r>
           </a:p>
           <a:p>
@@ -3717,8 +3751,100 @@
               <a:t>Python stopped after reaching an error of 0.0001.</a:t>
             </a:r>
           </a:p>
-        </p:txBody>
-      </p:sp>
+          <a:p>
+            <a:pPr marL="285750" indent="-285750">
+              <a:buFont typeface="Arial" panose="020B0604020202020204" pitchFamily="34" charset="0"/>
+              <a:buChar char="•"/>
+            </a:pPr>
+            <a:r>
+              <a:rPr lang="da-DK" dirty="0" err="1"/>
+              <a:t>Needs</a:t>
+            </a:r>
+            <a:r>
+              <a:rPr lang="da-DK" dirty="0"/>
+              <a:t> a check, to </a:t>
+            </a:r>
+            <a:r>
+              <a:rPr lang="da-DK" dirty="0" err="1"/>
+              <a:t>see</a:t>
+            </a:r>
+            <a:r>
+              <a:rPr lang="da-DK" dirty="0"/>
+              <a:t> </a:t>
+            </a:r>
+            <a:r>
+              <a:rPr lang="da-DK" dirty="0" err="1"/>
+              <a:t>if</a:t>
+            </a:r>
+            <a:r>
+              <a:rPr lang="da-DK" dirty="0"/>
+              <a:t> it in </a:t>
+            </a:r>
+            <a:r>
+              <a:rPr lang="da-DK" dirty="0" err="1"/>
+              <a:t>some</a:t>
+            </a:r>
+            <a:r>
+              <a:rPr lang="da-DK" dirty="0"/>
+              <a:t> tolerance to 1, to </a:t>
+            </a:r>
+            <a:r>
+              <a:rPr lang="da-DK" dirty="0" err="1"/>
+              <a:t>compare</a:t>
+            </a:r>
+            <a:r>
+              <a:rPr lang="da-DK" dirty="0"/>
+              <a:t> to the </a:t>
+            </a:r>
+            <a:r>
+              <a:rPr lang="da-DK" dirty="0" err="1"/>
+              <a:t>correct</a:t>
+            </a:r>
+            <a:r>
+              <a:rPr lang="da-DK" dirty="0"/>
+              <a:t> </a:t>
+            </a:r>
+            <a:r>
+              <a:rPr lang="da-DK" dirty="0" err="1"/>
+              <a:t>result</a:t>
+            </a:r>
+            <a:r>
+              <a:rPr lang="da-DK" dirty="0"/>
+              <a:t>. </a:t>
+            </a:r>
+          </a:p>
+        </p:txBody>
+      </p:sp>
+      <p:pic>
+        <p:nvPicPr>
+          <p:cNvPr id="3" name="Billede 2">
+            <a:extLst>
+              <a:ext uri="{FF2B5EF4-FFF2-40B4-BE49-F238E27FC236}">
+                <a16:creationId xmlns:a16="http://schemas.microsoft.com/office/drawing/2014/main" id="{4AE9C865-5B10-4372-9747-851E184E9440}"/>
+              </a:ext>
+            </a:extLst>
+          </p:cNvPr>
+          <p:cNvPicPr>
+            <a:picLocks noChangeAspect="1"/>
+          </p:cNvPicPr>
+          <p:nvPr/>
+        </p:nvPicPr>
+        <p:blipFill>
+          <a:blip r:embed="rId3"/>
+          <a:stretch>
+            <a:fillRect/>
+          </a:stretch>
+        </p:blipFill>
+        <p:spPr>
+          <a:xfrm>
+            <a:off x="838200" y="4667655"/>
+            <a:ext cx="5762625" cy="1219200"/>
+          </a:xfrm>
+          <a:prstGeom prst="rect">
+            <a:avLst/>
+          </a:prstGeom>
+        </p:spPr>
+      </p:pic>
     </p:spTree>
     <p:extLst>
       <p:ext uri="{BB962C8B-B14F-4D97-AF65-F5344CB8AC3E}">
@@ -3751,6 +3877,311 @@
       </p:grpSpPr>
       <p:sp>
         <p:nvSpPr>
+          <p:cNvPr id="2" name="Titel 1">
+            <a:extLst>
+              <a:ext uri="{FF2B5EF4-FFF2-40B4-BE49-F238E27FC236}">
+                <a16:creationId xmlns:a16="http://schemas.microsoft.com/office/drawing/2014/main" id="{A2A6B6FB-D640-4D55-A20C-E27EE362B147}"/>
+              </a:ext>
+            </a:extLst>
+          </p:cNvPr>
+          <p:cNvSpPr>
+            <a:spLocks noGrp="1"/>
+          </p:cNvSpPr>
+          <p:nvPr>
+            <p:ph type="title"/>
+          </p:nvPr>
+        </p:nvSpPr>
+        <p:spPr/>
+        <p:txBody>
+          <a:bodyPr/>
+          <a:lstStyle/>
+          <a:p>
+            <a:r>
+              <a:rPr lang="da-DK" dirty="0" err="1"/>
+              <a:t>Results</a:t>
+            </a:r>
+            <a:r>
+              <a:rPr lang="da-DK" dirty="0"/>
+              <a:t> </a:t>
+            </a:r>
+          </a:p>
+        </p:txBody>
+      </p:sp>
+      <p:sp>
+        <p:nvSpPr>
+          <p:cNvPr id="3" name="Pladsholder til indhold 2">
+            <a:extLst>
+              <a:ext uri="{FF2B5EF4-FFF2-40B4-BE49-F238E27FC236}">
+                <a16:creationId xmlns:a16="http://schemas.microsoft.com/office/drawing/2014/main" id="{058BBD05-D8BA-437A-91F3-F97428A78EF6}"/>
+              </a:ext>
+            </a:extLst>
+          </p:cNvPr>
+          <p:cNvSpPr>
+            <a:spLocks noGrp="1"/>
+          </p:cNvSpPr>
+          <p:nvPr>
+            <p:ph idx="1"/>
+          </p:nvPr>
+        </p:nvSpPr>
+        <p:spPr>
+          <a:xfrm>
+            <a:off x="838200" y="1825624"/>
+            <a:ext cx="5815519" cy="985669"/>
+          </a:xfrm>
+        </p:spPr>
+        <p:txBody>
+          <a:bodyPr>
+            <a:normAutofit lnSpcReduction="10000"/>
+          </a:bodyPr>
+          <a:lstStyle/>
+          <a:p>
+            <a:r>
+              <a:rPr lang="da-DK" dirty="0" err="1"/>
+              <a:t>Different</a:t>
+            </a:r>
+            <a:r>
+              <a:rPr lang="da-DK" dirty="0"/>
+              <a:t> learning rates</a:t>
+            </a:r>
+          </a:p>
+          <a:p>
+            <a:r>
+              <a:rPr lang="da-DK" dirty="0"/>
+              <a:t>Sum of </a:t>
+            </a:r>
+            <a:r>
+              <a:rPr lang="da-DK" dirty="0" err="1"/>
+              <a:t>squared</a:t>
+            </a:r>
+            <a:r>
+              <a:rPr lang="da-DK" dirty="0"/>
+              <a:t> </a:t>
+            </a:r>
+            <a:r>
+              <a:rPr lang="da-DK" dirty="0" err="1"/>
+              <a:t>errors</a:t>
+            </a:r>
+            <a:r>
+              <a:rPr lang="da-DK" dirty="0"/>
+              <a:t> pr. </a:t>
+            </a:r>
+            <a:r>
+              <a:rPr lang="da-DK" dirty="0" err="1"/>
+              <a:t>epoch</a:t>
+            </a:r>
+            <a:endParaRPr lang="da-DK" dirty="0"/>
+          </a:p>
+          <a:p>
+            <a:endParaRPr lang="da-DK" dirty="0"/>
+          </a:p>
+          <a:p>
+            <a:endParaRPr lang="da-DK" dirty="0"/>
+          </a:p>
+          <a:p>
+            <a:endParaRPr lang="da-DK" dirty="0"/>
+          </a:p>
+          <a:p>
+            <a:endParaRPr lang="da-DK" dirty="0"/>
+          </a:p>
+        </p:txBody>
+      </p:sp>
+      <p:pic>
+        <p:nvPicPr>
+          <p:cNvPr id="5" name="Billede 4">
+            <a:extLst>
+              <a:ext uri="{FF2B5EF4-FFF2-40B4-BE49-F238E27FC236}">
+                <a16:creationId xmlns:a16="http://schemas.microsoft.com/office/drawing/2014/main" id="{95EF5B88-6A37-4CFB-9F49-0A82F00DED6D}"/>
+              </a:ext>
+            </a:extLst>
+          </p:cNvPr>
+          <p:cNvPicPr>
+            <a:picLocks noChangeAspect="1"/>
+          </p:cNvPicPr>
+          <p:nvPr/>
+        </p:nvPicPr>
+        <p:blipFill>
+          <a:blip r:embed="rId2">
+            <a:extLst>
+              <a:ext uri="{28A0092B-C50C-407E-A947-70E740481C1C}">
+                <a14:useLocalDpi xmlns:a14="http://schemas.microsoft.com/office/drawing/2010/main" val="0"/>
+              </a:ext>
+            </a:extLst>
+          </a:blip>
+          <a:stretch>
+            <a:fillRect/>
+          </a:stretch>
+        </p:blipFill>
+        <p:spPr>
+          <a:xfrm>
+            <a:off x="5016231" y="3258428"/>
+            <a:ext cx="4312597" cy="3234447"/>
+          </a:xfrm>
+          <a:prstGeom prst="rect">
+            <a:avLst/>
+          </a:prstGeom>
+        </p:spPr>
+      </p:pic>
+      <p:pic>
+        <p:nvPicPr>
+          <p:cNvPr id="7" name="Billede 6" descr="Et billede, der indeholder skærmbillede&#10;&#10;Automatisk genereret beskrivelse">
+            <a:extLst>
+              <a:ext uri="{FF2B5EF4-FFF2-40B4-BE49-F238E27FC236}">
+                <a16:creationId xmlns:a16="http://schemas.microsoft.com/office/drawing/2014/main" id="{8BB2F3DD-DC38-4CE5-B422-C3D203CE5AE0}"/>
+              </a:ext>
+            </a:extLst>
+          </p:cNvPr>
+          <p:cNvPicPr>
+            <a:picLocks noChangeAspect="1"/>
+          </p:cNvPicPr>
+          <p:nvPr/>
+        </p:nvPicPr>
+        <p:blipFill>
+          <a:blip r:embed="rId3">
+            <a:extLst>
+              <a:ext uri="{28A0092B-C50C-407E-A947-70E740481C1C}">
+                <a14:useLocalDpi xmlns:a14="http://schemas.microsoft.com/office/drawing/2010/main" val="0"/>
+              </a:ext>
+            </a:extLst>
+          </a:blip>
+          <a:stretch>
+            <a:fillRect/>
+          </a:stretch>
+        </p:blipFill>
+        <p:spPr>
+          <a:xfrm>
+            <a:off x="721468" y="3269372"/>
+            <a:ext cx="4298004" cy="3223503"/>
+          </a:xfrm>
+          <a:prstGeom prst="rect">
+            <a:avLst/>
+          </a:prstGeom>
+        </p:spPr>
+      </p:pic>
+      <p:sp>
+        <p:nvSpPr>
+          <p:cNvPr id="8" name="Tekstfelt 7">
+            <a:extLst>
+              <a:ext uri="{FF2B5EF4-FFF2-40B4-BE49-F238E27FC236}">
+                <a16:creationId xmlns:a16="http://schemas.microsoft.com/office/drawing/2014/main" id="{2FA51986-D2EC-46E9-A62D-76028E29BFA6}"/>
+              </a:ext>
+            </a:extLst>
+          </p:cNvPr>
+          <p:cNvSpPr txBox="1"/>
+          <p:nvPr/>
+        </p:nvSpPr>
+        <p:spPr>
+          <a:xfrm>
+            <a:off x="9524137" y="3759447"/>
+            <a:ext cx="2198452" cy="1477328"/>
+          </a:xfrm>
+          <a:prstGeom prst="rect">
+            <a:avLst/>
+          </a:prstGeom>
+          <a:noFill/>
+        </p:spPr>
+        <p:txBody>
+          <a:bodyPr wrap="square" rtlCol="0">
+            <a:spAutoFit/>
+          </a:bodyPr>
+          <a:lstStyle/>
+          <a:p>
+            <a:r>
+              <a:rPr lang="da-DK" dirty="0"/>
+              <a:t>0.1 : 8788 </a:t>
+            </a:r>
+            <a:r>
+              <a:rPr lang="da-DK" dirty="0" err="1"/>
+              <a:t>epochs</a:t>
+            </a:r>
+            <a:endParaRPr lang="da-DK" dirty="0"/>
+          </a:p>
+          <a:p>
+            <a:r>
+              <a:rPr lang="da-DK" dirty="0"/>
+              <a:t>0.3  : 2912 </a:t>
+            </a:r>
+            <a:r>
+              <a:rPr lang="da-DK" dirty="0" err="1"/>
+              <a:t>epochs</a:t>
+            </a:r>
+            <a:endParaRPr lang="da-DK" dirty="0"/>
+          </a:p>
+          <a:p>
+            <a:r>
+              <a:rPr lang="da-DK" dirty="0"/>
+              <a:t>0.5 : 1750 </a:t>
+            </a:r>
+            <a:r>
+              <a:rPr lang="da-DK" dirty="0" err="1"/>
+              <a:t>epochs</a:t>
+            </a:r>
+            <a:r>
+              <a:rPr lang="da-DK" dirty="0"/>
+              <a:t>  </a:t>
+            </a:r>
+          </a:p>
+          <a:p>
+            <a:r>
+              <a:rPr lang="da-DK" dirty="0"/>
+              <a:t>0.7 : 1272 </a:t>
+            </a:r>
+            <a:r>
+              <a:rPr lang="da-DK" dirty="0" err="1"/>
+              <a:t>epochs</a:t>
+            </a:r>
+            <a:r>
+              <a:rPr lang="da-DK" dirty="0"/>
+              <a:t> </a:t>
+            </a:r>
+          </a:p>
+          <a:p>
+            <a:r>
+              <a:rPr lang="da-DK" dirty="0"/>
+              <a:t>0.9 : 986 </a:t>
+            </a:r>
+            <a:r>
+              <a:rPr lang="da-DK" dirty="0" err="1"/>
+              <a:t>epochs</a:t>
+            </a:r>
+            <a:r>
+              <a:rPr lang="da-DK" dirty="0"/>
+              <a:t> </a:t>
+            </a:r>
+          </a:p>
+        </p:txBody>
+      </p:sp>
+    </p:spTree>
+    <p:extLst>
+      <p:ext uri="{BB962C8B-B14F-4D97-AF65-F5344CB8AC3E}">
+        <p14:creationId xmlns:p14="http://schemas.microsoft.com/office/powerpoint/2010/main" val="2506923008"/>
+      </p:ext>
+    </p:extLst>
+  </p:cSld>
+  <p:clrMapOvr>
+    <a:masterClrMapping/>
+  </p:clrMapOvr>
+</p:sld>
+</file>
+
+<file path=ppt/slides/slide5.xml><?xml version="1.0" encoding="utf-8"?>
+<p:sld xmlns:a="http://schemas.openxmlformats.org/drawingml/2006/main" xmlns:r="http://schemas.openxmlformats.org/officeDocument/2006/relationships" xmlns:p="http://schemas.openxmlformats.org/presentationml/2006/main">
+  <p:cSld>
+    <p:spTree>
+      <p:nvGrpSpPr>
+        <p:cNvPr id="1" name=""/>
+        <p:cNvGrpSpPr/>
+        <p:nvPr/>
+      </p:nvGrpSpPr>
+      <p:grpSpPr>
+        <a:xfrm>
+          <a:off x="0" y="0"/>
+          <a:ext cx="0" cy="0"/>
+          <a:chOff x="0" y="0"/>
+          <a:chExt cx="0" cy="0"/>
+        </a:xfrm>
+      </p:grpSpPr>
+      <p:sp>
+        <p:nvSpPr>
           <p:cNvPr id="2" name="Title 1">
             <a:extLst>
               <a:ext uri="{FF2B5EF4-FFF2-40B4-BE49-F238E27FC236}">
@@ -3793,9 +4224,16 @@
             <p:ph idx="1"/>
           </p:nvPr>
         </p:nvSpPr>
-        <p:spPr/>
-        <p:txBody>
-          <a:bodyPr/>
+        <p:spPr>
+          <a:xfrm>
+            <a:off x="838200" y="1825625"/>
+            <a:ext cx="6477000" cy="4351338"/>
+          </a:xfrm>
+        </p:spPr>
+        <p:txBody>
+          <a:bodyPr>
+            <a:normAutofit/>
+          </a:bodyPr>
           <a:lstStyle/>
           <a:p>
             <a:r>
@@ -3806,13 +4244,178 @@
           <a:p>
             <a:r>
               <a:rPr lang="da-DK" dirty="0"/>
-              <a:t>Due to the random generation of weights it will sometimes get stuck on a local minimum and therefore fail the training session.</a:t>
-            </a:r>
-          </a:p>
-          <a:p>
-            <a:r>
-              <a:rPr lang="da-DK" dirty="0"/>
-              <a:t>Tests with different learning rates?</a:t>
+              <a:t>Due to the random generation of weights it will sometimes get stuck on a local minimum and </a:t>
+            </a:r>
+            <a:r>
+              <a:rPr lang="da-DK" dirty="0" err="1"/>
+              <a:t>therefore</a:t>
+            </a:r>
+            <a:r>
+              <a:rPr lang="da-DK" dirty="0"/>
+              <a:t> </a:t>
+            </a:r>
+            <a:r>
+              <a:rPr lang="da-DK" dirty="0" err="1"/>
+              <a:t>fails</a:t>
+            </a:r>
+            <a:r>
+              <a:rPr lang="da-DK" dirty="0"/>
+              <a:t> the training session.</a:t>
+            </a:r>
+          </a:p>
+          <a:p>
+            <a:r>
+              <a:rPr lang="da-DK" dirty="0" err="1"/>
+              <a:t>Higher</a:t>
+            </a:r>
+            <a:r>
+              <a:rPr lang="da-DK" dirty="0"/>
+              <a:t> learning rate </a:t>
+            </a:r>
+            <a:r>
+              <a:rPr lang="da-DK" dirty="0" err="1"/>
+              <a:t>makes</a:t>
+            </a:r>
+            <a:r>
+              <a:rPr lang="da-DK" dirty="0"/>
+              <a:t> it </a:t>
+            </a:r>
+            <a:r>
+              <a:rPr lang="da-DK" dirty="0" err="1"/>
+              <a:t>learn</a:t>
+            </a:r>
+            <a:r>
+              <a:rPr lang="da-DK" dirty="0"/>
+              <a:t> faster.</a:t>
+            </a:r>
+          </a:p>
+          <a:p>
+            <a:r>
+              <a:rPr lang="da-DK" dirty="0" err="1"/>
+              <a:t>Maybe</a:t>
+            </a:r>
+            <a:r>
+              <a:rPr lang="da-DK" dirty="0"/>
+              <a:t> TLU AF </a:t>
+            </a:r>
+            <a:r>
+              <a:rPr lang="da-DK" dirty="0" err="1"/>
+              <a:t>would</a:t>
+            </a:r>
+            <a:r>
+              <a:rPr lang="da-DK" dirty="0"/>
+              <a:t> have </a:t>
+            </a:r>
+            <a:r>
+              <a:rPr lang="da-DK" dirty="0" err="1"/>
+              <a:t>been</a:t>
+            </a:r>
+            <a:r>
+              <a:rPr lang="da-DK" dirty="0"/>
+              <a:t> </a:t>
+            </a:r>
+            <a:r>
+              <a:rPr lang="da-DK" dirty="0" err="1"/>
+              <a:t>better</a:t>
+            </a:r>
+            <a:r>
+              <a:rPr lang="da-DK" dirty="0"/>
+              <a:t>, due to the inputs   </a:t>
+            </a:r>
+          </a:p>
+        </p:txBody>
+      </p:sp>
+      <p:pic>
+        <p:nvPicPr>
+          <p:cNvPr id="5" name="Billede 4" descr="Et billede, der indeholder skærmbillede&#10;&#10;Automatisk genereret beskrivelse">
+            <a:extLst>
+              <a:ext uri="{FF2B5EF4-FFF2-40B4-BE49-F238E27FC236}">
+                <a16:creationId xmlns:a16="http://schemas.microsoft.com/office/drawing/2014/main" id="{0182BED2-61AE-4109-A575-B2182CBDAA2F}"/>
+              </a:ext>
+            </a:extLst>
+          </p:cNvPr>
+          <p:cNvPicPr>
+            <a:picLocks noChangeAspect="1"/>
+          </p:cNvPicPr>
+          <p:nvPr/>
+        </p:nvPicPr>
+        <p:blipFill>
+          <a:blip r:embed="rId2">
+            <a:extLst>
+              <a:ext uri="{28A0092B-C50C-407E-A947-70E740481C1C}">
+                <a14:useLocalDpi xmlns:a14="http://schemas.microsoft.com/office/drawing/2010/main" val="0"/>
+              </a:ext>
+            </a:extLst>
+          </a:blip>
+          <a:stretch>
+            <a:fillRect/>
+          </a:stretch>
+        </p:blipFill>
+        <p:spPr>
+          <a:xfrm>
+            <a:off x="7478189" y="2587889"/>
+            <a:ext cx="4054071" cy="3040554"/>
+          </a:xfrm>
+          <a:prstGeom prst="rect">
+            <a:avLst/>
+          </a:prstGeom>
+        </p:spPr>
+      </p:pic>
+      <p:sp>
+        <p:nvSpPr>
+          <p:cNvPr id="6" name="Tekstfelt 5">
+            <a:extLst>
+              <a:ext uri="{FF2B5EF4-FFF2-40B4-BE49-F238E27FC236}">
+                <a16:creationId xmlns:a16="http://schemas.microsoft.com/office/drawing/2014/main" id="{5262B2D3-DA79-4E63-863C-91DB022F7750}"/>
+              </a:ext>
+            </a:extLst>
+          </p:cNvPr>
+          <p:cNvSpPr txBox="1"/>
+          <p:nvPr/>
+        </p:nvSpPr>
+        <p:spPr>
+          <a:xfrm>
+            <a:off x="7649139" y="2287264"/>
+            <a:ext cx="3712170" cy="369332"/>
+          </a:xfrm>
+          <a:prstGeom prst="rect">
+            <a:avLst/>
+          </a:prstGeom>
+          <a:noFill/>
+        </p:spPr>
+        <p:txBody>
+          <a:bodyPr wrap="none" rtlCol="0">
+            <a:spAutoFit/>
+          </a:bodyPr>
+          <a:lstStyle/>
+          <a:p>
+            <a:r>
+              <a:rPr lang="da-DK" dirty="0"/>
+              <a:t>Plot of </a:t>
+            </a:r>
+            <a:r>
+              <a:rPr lang="da-DK" dirty="0" err="1"/>
+              <a:t>error</a:t>
+            </a:r>
+            <a:r>
+              <a:rPr lang="da-DK" dirty="0"/>
+              <a:t> </a:t>
+            </a:r>
+            <a:r>
+              <a:rPr lang="da-DK" dirty="0" err="1"/>
+              <a:t>stuck</a:t>
+            </a:r>
+            <a:r>
+              <a:rPr lang="da-DK" dirty="0"/>
+              <a:t> at a </a:t>
+            </a:r>
+            <a:r>
+              <a:rPr lang="da-DK" dirty="0" err="1"/>
+              <a:t>local</a:t>
+            </a:r>
+            <a:r>
+              <a:rPr lang="da-DK" dirty="0"/>
+              <a:t> minimum</a:t>
             </a:r>
           </a:p>
         </p:txBody>
@@ -4126,6 +4729,21 @@
 </file>
 
 <file path=customXml/item1.xml><?xml version="1.0" encoding="utf-8"?>
+<p:properties xmlns:p="http://schemas.microsoft.com/office/2006/metadata/properties" xmlns:xsi="http://www.w3.org/2001/XMLSchema-instance" xmlns:pc="http://schemas.microsoft.com/office/infopath/2007/PartnerControls">
+  <documentManagement/>
+</p:properties>
+</file>
+
+<file path=customXml/item2.xml><?xml version="1.0" encoding="utf-8"?>
+<?mso-contentType ?>
+<FormTemplates xmlns="http://schemas.microsoft.com/sharepoint/v3/contenttype/forms">
+  <Display>DocumentLibraryForm</Display>
+  <Edit>DocumentLibraryForm</Edit>
+  <New>DocumentLibraryForm</New>
+</FormTemplates>
+</file>
+
+<file path=customXml/item3.xml><?xml version="1.0" encoding="utf-8"?>
 <ct:contentTypeSchema xmlns:ct="http://schemas.microsoft.com/office/2006/metadata/contentType" xmlns:ma="http://schemas.microsoft.com/office/2006/metadata/properties/metaAttributes" ct:_="" ma:_="" ma:contentTypeName="Dokument" ma:contentTypeID="0x010100C9DC2F5581FB3849A067DC0686036099" ma:contentTypeVersion="2" ma:contentTypeDescription="Opret et nyt dokument." ma:contentTypeScope="" ma:versionID="9107912865a5814f4439e8da72e07512">
   <xsd:schema xmlns:xsd="http://www.w3.org/2001/XMLSchema" xmlns:xs="http://www.w3.org/2001/XMLSchema" xmlns:p="http://schemas.microsoft.com/office/2006/metadata/properties" xmlns:ns3="667177ab-7a18-407a-bb37-2ff63868660f" targetNamespace="http://schemas.microsoft.com/office/2006/metadata/properties" ma:root="true" ma:fieldsID="71f86f500bedb1bf7877b842e92dfed2" ns3:_="">
     <xsd:import namespace="667177ab-7a18-407a-bb37-2ff63868660f"/>
@@ -4257,22 +4875,31 @@
 </ct:contentTypeSchema>
 </file>
 
-<file path=customXml/item2.xml><?xml version="1.0" encoding="utf-8"?>
-<?mso-contentType ?>
-<FormTemplates xmlns="http://schemas.microsoft.com/sharepoint/v3/contenttype/forms">
-  <Display>DocumentLibraryForm</Display>
-  <Edit>DocumentLibraryForm</Edit>
-  <New>DocumentLibraryForm</New>
-</FormTemplates>
+<file path=customXml/itemProps1.xml><?xml version="1.0" encoding="utf-8"?>
+<ds:datastoreItem xmlns:ds="http://schemas.openxmlformats.org/officeDocument/2006/customXml" ds:itemID="{D23D297A-E9AD-430F-992B-F088B6BA46C6}">
+  <ds:schemaRefs>
+    <ds:schemaRef ds:uri="http://schemas.microsoft.com/office/2006/metadata/properties"/>
+    <ds:schemaRef ds:uri="http://purl.org/dc/terms/"/>
+    <ds:schemaRef ds:uri="http://schemas.microsoft.com/office/2006/documentManagement/types"/>
+    <ds:schemaRef ds:uri="http://schemas.openxmlformats.org/package/2006/metadata/core-properties"/>
+    <ds:schemaRef ds:uri="667177ab-7a18-407a-bb37-2ff63868660f"/>
+    <ds:schemaRef ds:uri="http://purl.org/dc/elements/1.1/"/>
+    <ds:schemaRef ds:uri="http://schemas.microsoft.com/office/infopath/2007/PartnerControls"/>
+    <ds:schemaRef ds:uri="http://www.w3.org/XML/1998/namespace"/>
+    <ds:schemaRef ds:uri="http://purl.org/dc/dcmitype/"/>
+  </ds:schemaRefs>
+</ds:datastoreItem>
 </file>
 
-<file path=customXml/item3.xml><?xml version="1.0" encoding="utf-8"?>
-<p:properties xmlns:p="http://schemas.microsoft.com/office/2006/metadata/properties" xmlns:xsi="http://www.w3.org/2001/XMLSchema-instance" xmlns:pc="http://schemas.microsoft.com/office/infopath/2007/PartnerControls">
-  <documentManagement/>
-</p:properties>
+<file path=customXml/itemProps2.xml><?xml version="1.0" encoding="utf-8"?>
+<ds:datastoreItem xmlns:ds="http://schemas.openxmlformats.org/officeDocument/2006/customXml" ds:itemID="{7A5EE431-DEBA-41F5-94B5-6F6D716F2D0D}">
+  <ds:schemaRefs>
+    <ds:schemaRef ds:uri="http://schemas.microsoft.com/sharepoint/v3/contenttype/forms"/>
+  </ds:schemaRefs>
+</ds:datastoreItem>
 </file>
 
-<file path=customXml/itemProps1.xml><?xml version="1.0" encoding="utf-8"?>
+<file path=customXml/itemProps3.xml><?xml version="1.0" encoding="utf-8"?>
 <ds:datastoreItem xmlns:ds="http://schemas.openxmlformats.org/officeDocument/2006/customXml" ds:itemID="{2AA2C76E-E67C-4C2B-91BD-7FB11C760B8C}">
   <ds:schemaRefs>
     <ds:schemaRef ds:uri="http://schemas.microsoft.com/office/2006/metadata/contentType"/>
@@ -4288,28 +4915,4 @@
     <ds:schemaRef ds:uri="http://schemas.microsoft.com/internal/obd"/>
   </ds:schemaRefs>
 </ds:datastoreItem>
-</file>
-
-<file path=customXml/itemProps2.xml><?xml version="1.0" encoding="utf-8"?>
-<ds:datastoreItem xmlns:ds="http://schemas.openxmlformats.org/officeDocument/2006/customXml" ds:itemID="{7A5EE431-DEBA-41F5-94B5-6F6D716F2D0D}">
-  <ds:schemaRefs>
-    <ds:schemaRef ds:uri="http://schemas.microsoft.com/sharepoint/v3/contenttype/forms"/>
-  </ds:schemaRefs>
-</ds:datastoreItem>
-</file>
-
-<file path=customXml/itemProps3.xml><?xml version="1.0" encoding="utf-8"?>
-<ds:datastoreItem xmlns:ds="http://schemas.openxmlformats.org/officeDocument/2006/customXml" ds:itemID="{D23D297A-E9AD-430F-992B-F088B6BA46C6}">
-  <ds:schemaRefs>
-    <ds:schemaRef ds:uri="http://schemas.microsoft.com/office/2006/metadata/properties"/>
-    <ds:schemaRef ds:uri="http://purl.org/dc/terms/"/>
-    <ds:schemaRef ds:uri="http://schemas.microsoft.com/office/2006/documentManagement/types"/>
-    <ds:schemaRef ds:uri="http://schemas.openxmlformats.org/package/2006/metadata/core-properties"/>
-    <ds:schemaRef ds:uri="667177ab-7a18-407a-bb37-2ff63868660f"/>
-    <ds:schemaRef ds:uri="http://purl.org/dc/elements/1.1/"/>
-    <ds:schemaRef ds:uri="http://schemas.microsoft.com/office/infopath/2007/PartnerControls"/>
-    <ds:schemaRef ds:uri="http://www.w3.org/XML/1998/namespace"/>
-    <ds:schemaRef ds:uri="http://purl.org/dc/dcmitype/"/>
-  </ds:schemaRefs>
-</ds:datastoreItem>
 </file>